--- a/01_Introduction_to_iRODS.pptx
+++ b/01_Introduction_to_iRODS.pptx
@@ -4544,7 +4544,7 @@
           <a:p>
             <a:fld id="{8F591CCF-F6FD-734B-854A-5BC033593B1E}" type="datetimeFigureOut">
               <a:rPr lang="nl-NL" smtClean="0"/>
-              <a:t>26-4-2021</a:t>
+              <a:t>27-4-2021</a:t>
             </a:fld>
             <a:endParaRPr lang="nl-NL"/>
           </a:p>
@@ -4709,7 +4709,7 @@
           <a:p>
             <a:fld id="{23C66214-DB21-4647-B5DA-0D17CA592867}" type="datetimeFigureOut">
               <a:rPr lang="nl-NL" smtClean="0"/>
-              <a:t>26-4-2021</a:t>
+              <a:t>27-4-2021</a:t>
             </a:fld>
             <a:endParaRPr lang="nl-NL"/>
           </a:p>
@@ -7262,7 +7262,7 @@
           <a:p>
             <a:fld id="{630E9AEB-3B61-40DA-93C9-6A90B0CABC81}" type="datetime1">
               <a:rPr lang="nl-BE" smtClean="0"/>
-              <a:t>26/04/2021</a:t>
+              <a:t>27/04/2021</a:t>
             </a:fld>
             <a:endParaRPr lang="nl-NL"/>
           </a:p>
@@ -7545,7 +7545,7 @@
           <a:p>
             <a:fld id="{E1144E98-BADC-43EF-B68C-A900785218B7}" type="datetime1">
               <a:rPr lang="nl-BE" smtClean="0"/>
-              <a:t>26/04/2021</a:t>
+              <a:t>27/04/2021</a:t>
             </a:fld>
             <a:endParaRPr lang="nl-NL"/>
           </a:p>
@@ -7875,7 +7875,7 @@
           <a:p>
             <a:fld id="{15175995-3991-41C4-8A8D-E22DC26039C0}" type="datetime1">
               <a:rPr lang="nl-BE" smtClean="0"/>
-              <a:t>26/04/2021</a:t>
+              <a:t>27/04/2021</a:t>
             </a:fld>
             <a:endParaRPr lang="nl-NL"/>
           </a:p>
@@ -8195,7 +8195,7 @@
           <a:p>
             <a:fld id="{E2C5B7A8-A032-42DC-895A-201AC7DB8646}" type="datetime1">
               <a:rPr lang="nl-BE" smtClean="0"/>
-              <a:t>26/04/2021</a:t>
+              <a:t>27/04/2021</a:t>
             </a:fld>
             <a:endParaRPr lang="nl-NL" dirty="0"/>
           </a:p>
@@ -8516,7 +8516,7 @@
           <a:p>
             <a:fld id="{E8E53C95-01B7-442B-9157-08ED36F76F3C}" type="datetime1">
               <a:rPr lang="nl-BE" smtClean="0"/>
-              <a:t>26/04/2021</a:t>
+              <a:t>27/04/2021</a:t>
             </a:fld>
             <a:endParaRPr lang="nl-NL" dirty="0"/>
           </a:p>
@@ -8658,7 +8658,7 @@
           <a:p>
             <a:fld id="{50D3EC57-1E68-4A1D-A551-DCE46BD791C6}" type="datetime1">
               <a:rPr lang="nl-BE" smtClean="0"/>
-              <a:t>26/04/2021</a:t>
+              <a:t>27/04/2021</a:t>
             </a:fld>
             <a:endParaRPr lang="nl-NL"/>
           </a:p>
@@ -9142,7 +9142,7 @@
           <a:p>
             <a:fld id="{7FA88303-CC7E-4D0C-BB25-E38DFC5B13BB}" type="datetime1">
               <a:rPr lang="nl-BE" smtClean="0"/>
-              <a:t>26/04/2021</a:t>
+              <a:t>27/04/2021</a:t>
             </a:fld>
             <a:endParaRPr lang="nl-NL" dirty="0"/>
           </a:p>
@@ -9263,7 +9263,7 @@
           <a:p>
             <a:fld id="{290E1377-46D8-4210-B7FF-1512E92E466C}" type="datetime1">
               <a:rPr lang="nl-BE" smtClean="0"/>
-              <a:t>26/04/2021</a:t>
+              <a:t>27/04/2021</a:t>
             </a:fld>
             <a:endParaRPr lang="nl-NL"/>
           </a:p>
@@ -9384,7 +9384,7 @@
           <a:p>
             <a:fld id="{FD3B2FE4-CC50-43C1-B18E-5643057D1080}" type="datetime1">
               <a:rPr lang="nl-BE" smtClean="0"/>
-              <a:t>26/04/2021</a:t>
+              <a:t>27/04/2021</a:t>
             </a:fld>
             <a:endParaRPr lang="nl-NL"/>
           </a:p>
@@ -9566,7 +9566,7 @@
           <a:p>
             <a:fld id="{6538D7E1-880B-4291-B19F-A3787A4C00CC}" type="datetime1">
               <a:rPr lang="nl-BE" smtClean="0"/>
-              <a:t>26/04/2021</a:t>
+              <a:t>27/04/2021</a:t>
             </a:fld>
             <a:endParaRPr lang="nl-NL" dirty="0"/>
           </a:p>
@@ -9850,7 +9850,7 @@
           <a:p>
             <a:fld id="{F272EF29-7C63-44F3-9C9A-F68D6821878F}" type="datetime1">
               <a:rPr lang="nl-BE" smtClean="0"/>
-              <a:t>26/04/2021</a:t>
+              <a:t>27/04/2021</a:t>
             </a:fld>
             <a:endParaRPr lang="nl-NL" dirty="0"/>
           </a:p>
@@ -10492,7 +10492,7 @@
           <a:p>
             <a:fld id="{9EA81302-6EA0-4065-BC26-73D5CB3FD901}" type="datetime1">
               <a:rPr lang="nl-BE" smtClean="0"/>
-              <a:t>26/04/2021</a:t>
+              <a:t>27/04/2021</a:t>
             </a:fld>
             <a:endParaRPr lang="nl-NL" dirty="0"/>
           </a:p>
@@ -12173,48 +12173,32 @@
             </a:r>
             <a:r>
               <a:rPr lang="nl-BE" dirty="0"/>
-              <a:t>:</a:t>
-            </a:r>
+              <a:t> </a:t>
+            </a:r>
+            <a:r>
+              <a:rPr lang="nl-BE" dirty="0" err="1"/>
+              <a:t>github</a:t>
+            </a:r>
+            <a:endParaRPr lang="nl-BE" dirty="0"/>
           </a:p>
           <a:p>
             <a:pPr lvl="1"/>
-            <a:r>
-              <a:rPr lang="nl-BE" dirty="0" err="1">
-                <a:hlinkClick r:id="rId2"/>
-              </a:rPr>
-              <a:t>iRODS</a:t>
-            </a:r>
             <a:r>
               <a:rPr lang="nl-BE" dirty="0">
                 <a:hlinkClick r:id="rId2"/>
               </a:rPr>
-              <a:t>-</a:t>
-            </a:r>
-            <a:r>
-              <a:rPr lang="nl-BE" dirty="0" err="1">
-                <a:hlinkClick r:id="rId2"/>
-              </a:rPr>
-              <a:t>local</a:t>
-            </a:r>
-            <a:r>
-              <a:rPr lang="nl-BE" dirty="0">
-                <a:hlinkClick r:id="rId2"/>
-              </a:rPr>
-              <a:t>-</a:t>
-            </a:r>
-            <a:r>
-              <a:rPr lang="nl-BE" dirty="0" err="1">
-                <a:hlinkClick r:id="rId2"/>
-              </a:rPr>
-              <a:t>admin</a:t>
-            </a:r>
-            <a:r>
-              <a:rPr lang="nl-BE" dirty="0">
-                <a:hlinkClick r:id="rId2"/>
-              </a:rPr>
-              <a:t>-training (gitfront.io)</a:t>
-            </a:r>
-            <a:endParaRPr lang="en-US" dirty="0"/>
+              <a:t>https://github.com/hpcleuven/iRODS-local-admin-training</a:t>
+            </a:r>
+            <a:r>
+              <a:rPr lang="nl-BE" dirty="0"/>
+              <a:t> </a:t>
+            </a:r>
+          </a:p>
+          <a:p>
+            <a:pPr marL="457200" lvl="1" indent="0">
+              <a:buNone/>
+            </a:pPr>
+            <a:endParaRPr lang="nl-BE" dirty="0"/>
           </a:p>
         </p:txBody>
       </p:sp>
@@ -12686,13 +12670,12 @@
               <a:buChar char="§"/>
             </a:pPr>
             <a:r>
-              <a:rPr lang="en-US" sz="1600" dirty="0"/>
-              <a:t>A flexible framework for the abstraction of infrastructure</a:t>
-            </a:r>
-            <a:endParaRPr lang="en-US" sz="1600" b="1" dirty="0">
-              <a:ea typeface="Open Sans Extrabold" panose="020B0906030804020204" pitchFamily="34" charset="0"/>
-              <a:cs typeface="Open Sans Extrabold" panose="020B0906030804020204" pitchFamily="34" charset="0"/>
-            </a:endParaRPr>
+              <a:rPr lang="en-US" sz="1600" dirty="0">
+                <a:ea typeface="Open Sans Extrabold" panose="020B0906030804020204" pitchFamily="34" charset="0"/>
+                <a:cs typeface="Open Sans Extrabold" panose="020B0906030804020204" pitchFamily="34" charset="0"/>
+              </a:rPr>
+              <a:t>Open Source distributed data and storage management system </a:t>
+            </a:r>
           </a:p>
           <a:p>
             <a:pPr marL="342900" indent="-342900">
@@ -12711,7 +12694,7 @@
                 <a:ea typeface="Open Sans Extrabold" panose="020B0906030804020204" pitchFamily="34" charset="0"/>
                 <a:cs typeface="Open Sans Extrabold" panose="020B0906030804020204" pitchFamily="34" charset="0"/>
               </a:rPr>
-              <a:t>Open Source distributed data and storage management system </a:t>
+              <a:t>Configurable data management policies and workflows </a:t>
             </a:r>
           </a:p>
           <a:p>
@@ -12731,7 +12714,7 @@
                 <a:ea typeface="Open Sans Extrabold" panose="020B0906030804020204" pitchFamily="34" charset="0"/>
                 <a:cs typeface="Open Sans Extrabold" panose="020B0906030804020204" pitchFamily="34" charset="0"/>
               </a:rPr>
-              <a:t>Configurable data management policies and workflows </a:t>
+              <a:t>Scalable </a:t>
             </a:r>
           </a:p>
           <a:p>
@@ -12747,12 +12730,13 @@
               <a:buChar char="§"/>
             </a:pPr>
             <a:r>
-              <a:rPr lang="en-US" sz="1600" dirty="0">
-                <a:ea typeface="Open Sans Extrabold" panose="020B0906030804020204" pitchFamily="34" charset="0"/>
-                <a:cs typeface="Open Sans Extrabold" panose="020B0906030804020204" pitchFamily="34" charset="0"/>
-              </a:rPr>
-              <a:t>Scalable </a:t>
-            </a:r>
+              <a:rPr lang="en-US" sz="1600" dirty="0"/>
+              <a:t>A flexible framework for the abstraction of infrastructure</a:t>
+            </a:r>
+            <a:endParaRPr lang="en-US" sz="1600" b="1" dirty="0">
+              <a:ea typeface="Open Sans Extrabold" panose="020B0906030804020204" pitchFamily="34" charset="0"/>
+              <a:cs typeface="Open Sans Extrabold" panose="020B0906030804020204" pitchFamily="34" charset="0"/>
+            </a:endParaRPr>
           </a:p>
         </p:txBody>
       </p:sp>
@@ -13317,7 +13301,7 @@
                 <a:ea typeface="+mn-ea"/>
                 <a:cs typeface="+mn-cs"/>
               </a:rPr>
-              <a:t>Catalogue Service Provider –</a:t>
+              <a:t>Catalogue Service Provider – </a:t>
             </a:r>
             <a:r>
               <a:rPr kumimoji="0" lang="en-US" sz="1600" b="1" i="0" u="none" strike="noStrike" kern="1200" cap="none" spc="0" normalizeH="0" baseline="0" noProof="0" dirty="0" err="1">
@@ -13759,7 +13743,7 @@
         <p:spPr>
           <a:xfrm>
             <a:off x="6601771" y="4731232"/>
-            <a:ext cx="3420680" cy="408623"/>
+            <a:ext cx="4932953" cy="408623"/>
           </a:xfrm>
           <a:prstGeom prst="roundRect">
             <a:avLst/>
@@ -13771,7 +13755,7 @@
           </a:solidFill>
         </p:spPr>
         <p:txBody>
-          <a:bodyPr wrap="none">
+          <a:bodyPr wrap="square">
             <a:spAutoFit/>
           </a:bodyPr>
           <a:lstStyle/>
@@ -13806,7 +13790,7 @@
         <p:spPr>
           <a:xfrm>
             <a:off x="6601771" y="3829765"/>
-            <a:ext cx="3277086" cy="408623"/>
+            <a:ext cx="4932954" cy="408623"/>
           </a:xfrm>
           <a:prstGeom prst="roundRect">
             <a:avLst/>
@@ -13818,7 +13802,7 @@
           </a:solidFill>
         </p:spPr>
         <p:txBody>
-          <a:bodyPr wrap="none">
+          <a:bodyPr wrap="square">
             <a:spAutoFit/>
           </a:bodyPr>
           <a:lstStyle/>
@@ -13865,7 +13849,7 @@
           </a:solidFill>
         </p:spPr>
         <p:txBody>
-          <a:bodyPr wrap="none">
+          <a:bodyPr wrap="square">
             <a:spAutoFit/>
           </a:bodyPr>
           <a:lstStyle/>
@@ -14115,7 +14099,7 @@
         <p:spPr>
           <a:xfrm>
             <a:off x="6579703" y="1920492"/>
-            <a:ext cx="2772177" cy="408623"/>
+            <a:ext cx="4955021" cy="408623"/>
           </a:xfrm>
           <a:prstGeom prst="roundRect">
             <a:avLst/>
@@ -14127,7 +14111,7 @@
           </a:solidFill>
         </p:spPr>
         <p:txBody>
-          <a:bodyPr wrap="none">
+          <a:bodyPr wrap="square">
             <a:spAutoFit/>
           </a:bodyPr>
           <a:lstStyle/>
@@ -14315,7 +14299,7 @@
         </p:blipFill>
         <p:spPr>
           <a:xfrm>
-            <a:off x="2388174" y="4422454"/>
+            <a:off x="2319594" y="4159564"/>
             <a:ext cx="360000" cy="360000"/>
           </a:xfrm>
           <a:prstGeom prst="rect">
@@ -14357,7 +14341,7 @@
         </p:blipFill>
         <p:spPr>
           <a:xfrm>
-            <a:off x="1766373" y="3465006"/>
+            <a:off x="1697793" y="3202116"/>
             <a:ext cx="335264" cy="514720"/>
           </a:xfrm>
           <a:prstGeom prst="rect">
@@ -14379,7 +14363,7 @@
         </p:nvSpPr>
         <p:spPr>
           <a:xfrm>
-            <a:off x="2612840" y="3536231"/>
+            <a:off x="2544260" y="3273341"/>
             <a:ext cx="1423342" cy="584775"/>
           </a:xfrm>
           <a:prstGeom prst="rect">
@@ -14555,7 +14539,7 @@
         </p:nvSpPr>
         <p:spPr>
           <a:xfrm>
-            <a:off x="2817508" y="4433177"/>
+            <a:off x="2748928" y="4170287"/>
             <a:ext cx="1163908" cy="338554"/>
           </a:xfrm>
           <a:prstGeom prst="rect">
@@ -14730,7 +14714,7 @@
         </p:nvSpPr>
         <p:spPr>
           <a:xfrm>
-            <a:off x="2752964" y="2566047"/>
+            <a:off x="2684384" y="2303157"/>
             <a:ext cx="818575" cy="338554"/>
           </a:xfrm>
           <a:prstGeom prst="rect">
@@ -14923,7 +14907,7 @@
         </p:blipFill>
         <p:spPr>
           <a:xfrm>
-            <a:off x="9424412" y="3561625"/>
+            <a:off x="9355832" y="3298735"/>
             <a:ext cx="335264" cy="514720"/>
           </a:xfrm>
           <a:prstGeom prst="rect">
@@ -14945,7 +14929,7 @@
         </p:nvSpPr>
         <p:spPr>
           <a:xfrm>
-            <a:off x="10640163" y="3614782"/>
+            <a:off x="10571583" y="3351892"/>
             <a:ext cx="1854096" cy="338554"/>
           </a:xfrm>
           <a:prstGeom prst="rect">
@@ -15132,7 +15116,7 @@
         </p:blipFill>
         <p:spPr>
           <a:xfrm>
-            <a:off x="7378345" y="2512453"/>
+            <a:off x="7309765" y="2249563"/>
             <a:ext cx="540000" cy="540000"/>
           </a:xfrm>
           <a:prstGeom prst="rect">
@@ -15174,7 +15158,7 @@
         </p:blipFill>
         <p:spPr>
           <a:xfrm>
-            <a:off x="2189606" y="3467874"/>
+            <a:off x="2121026" y="3204984"/>
             <a:ext cx="335264" cy="514720"/>
           </a:xfrm>
           <a:prstGeom prst="rect">
@@ -15199,7 +15183,7 @@
         </p:nvCxnSpPr>
         <p:spPr>
           <a:xfrm>
-            <a:off x="1934005" y="3979726"/>
+            <a:off x="1865425" y="3716836"/>
             <a:ext cx="634169" cy="442728"/>
           </a:xfrm>
           <a:prstGeom prst="line">
@@ -15244,7 +15228,7 @@
         </p:nvCxnSpPr>
         <p:spPr>
           <a:xfrm>
-            <a:off x="2357238" y="3982594"/>
+            <a:off x="2288658" y="3719704"/>
             <a:ext cx="210936" cy="439860"/>
           </a:xfrm>
           <a:prstGeom prst="line">
@@ -15299,7 +15283,7 @@
         </p:blipFill>
         <p:spPr>
           <a:xfrm>
-            <a:off x="7446829" y="4524441"/>
+            <a:off x="7378249" y="4261551"/>
             <a:ext cx="360000" cy="360000"/>
           </a:xfrm>
           <a:prstGeom prst="rect">
@@ -15341,7 +15325,7 @@
         </p:blipFill>
         <p:spPr>
           <a:xfrm>
-            <a:off x="7237480" y="3579813"/>
+            <a:off x="7168900" y="3316923"/>
             <a:ext cx="335264" cy="514720"/>
           </a:xfrm>
           <a:prstGeom prst="rect">
@@ -15363,7 +15347,7 @@
         </p:nvSpPr>
         <p:spPr>
           <a:xfrm>
-            <a:off x="5760054" y="3660933"/>
+            <a:off x="5691474" y="3398043"/>
             <a:ext cx="1423341" cy="338554"/>
           </a:xfrm>
           <a:prstGeom prst="rect">
@@ -15553,7 +15537,7 @@
         </p:nvSpPr>
         <p:spPr>
           <a:xfrm>
-            <a:off x="7808776" y="4535164"/>
+            <a:off x="7740196" y="4272274"/>
             <a:ext cx="1163908" cy="338554"/>
           </a:xfrm>
           <a:prstGeom prst="rect">
@@ -15748,7 +15732,7 @@
         </p:blipFill>
         <p:spPr>
           <a:xfrm>
-            <a:off x="7660713" y="3582681"/>
+            <a:off x="7592133" y="3319791"/>
             <a:ext cx="335264" cy="514720"/>
           </a:xfrm>
           <a:prstGeom prst="rect">
@@ -15773,7 +15757,7 @@
         </p:nvCxnSpPr>
         <p:spPr>
           <a:xfrm>
-            <a:off x="7405112" y="4094533"/>
+            <a:off x="7336532" y="3831643"/>
             <a:ext cx="221717" cy="429908"/>
           </a:xfrm>
           <a:prstGeom prst="line">
@@ -15818,7 +15802,7 @@
         </p:nvCxnSpPr>
         <p:spPr>
           <a:xfrm flipH="1">
-            <a:off x="7626829" y="4097401"/>
+            <a:off x="7558249" y="3834511"/>
             <a:ext cx="201516" cy="427040"/>
           </a:xfrm>
           <a:prstGeom prst="line">
@@ -15879,7 +15863,7 @@
         </p:blipFill>
         <p:spPr>
           <a:xfrm>
-            <a:off x="9864225" y="3561625"/>
+            <a:off x="9795645" y="3298735"/>
             <a:ext cx="335264" cy="514720"/>
           </a:xfrm>
           <a:prstGeom prst="rect">
@@ -15921,7 +15905,7 @@
         </p:blipFill>
         <p:spPr>
           <a:xfrm>
-            <a:off x="10304899" y="3561625"/>
+            <a:off x="10236319" y="3298735"/>
             <a:ext cx="335264" cy="514720"/>
           </a:xfrm>
           <a:prstGeom prst="rect">
@@ -15964,7 +15948,7 @@
         </p:blipFill>
         <p:spPr>
           <a:xfrm>
-            <a:off x="1775343" y="4446832"/>
+            <a:off x="1706763" y="4183942"/>
             <a:ext cx="360000" cy="360000"/>
           </a:xfrm>
           <a:prstGeom prst="rect">
@@ -15986,7 +15970,7 @@
         </p:nvSpPr>
         <p:spPr>
           <a:xfrm>
-            <a:off x="945308" y="4457555"/>
+            <a:off x="876728" y="4194665"/>
             <a:ext cx="830035" cy="338554"/>
           </a:xfrm>
           <a:prstGeom prst="rect">
@@ -16140,7 +16124,7 @@
         </p:nvCxnSpPr>
         <p:spPr>
           <a:xfrm>
-            <a:off x="1934005" y="3979726"/>
+            <a:off x="1865425" y="3716836"/>
             <a:ext cx="21338" cy="467106"/>
           </a:xfrm>
           <a:prstGeom prst="line">
@@ -16187,7 +16171,7 @@
         </p:nvCxnSpPr>
         <p:spPr>
           <a:xfrm flipH="1">
-            <a:off x="1955343" y="3982594"/>
+            <a:off x="1886763" y="3719704"/>
             <a:ext cx="401895" cy="464238"/>
           </a:xfrm>
           <a:prstGeom prst="line">
@@ -16251,7 +16235,7 @@
         </p:blipFill>
         <p:spPr>
           <a:xfrm>
-            <a:off x="10304899" y="4372276"/>
+            <a:off x="10236319" y="4109386"/>
             <a:ext cx="360000" cy="360000"/>
           </a:xfrm>
           <a:prstGeom prst="rect">
@@ -16294,7 +16278,7 @@
         </p:blipFill>
         <p:spPr>
           <a:xfrm>
-            <a:off x="9864225" y="4372276"/>
+            <a:off x="9795645" y="4109386"/>
             <a:ext cx="360000" cy="360000"/>
           </a:xfrm>
           <a:prstGeom prst="rect">
@@ -16337,7 +16321,7 @@
         </p:blipFill>
         <p:spPr>
           <a:xfrm>
-            <a:off x="9424412" y="4372276"/>
+            <a:off x="9355832" y="4109386"/>
             <a:ext cx="360000" cy="360000"/>
           </a:xfrm>
           <a:prstGeom prst="rect">
@@ -16363,7 +16347,7 @@
         </p:nvCxnSpPr>
         <p:spPr>
           <a:xfrm>
-            <a:off x="9592044" y="4076345"/>
+            <a:off x="9523464" y="3813455"/>
             <a:ext cx="12368" cy="295931"/>
           </a:xfrm>
           <a:prstGeom prst="line">
@@ -16410,7 +16394,7 @@
         </p:nvCxnSpPr>
         <p:spPr>
           <a:xfrm>
-            <a:off x="10031857" y="4076345"/>
+            <a:off x="9963277" y="3813455"/>
             <a:ext cx="12368" cy="295931"/>
           </a:xfrm>
           <a:prstGeom prst="line">
@@ -16457,7 +16441,7 @@
         </p:nvCxnSpPr>
         <p:spPr>
           <a:xfrm>
-            <a:off x="10472531" y="4076345"/>
+            <a:off x="10403951" y="3813455"/>
             <a:ext cx="12368" cy="295931"/>
           </a:xfrm>
           <a:prstGeom prst="line">
@@ -16503,7 +16487,7 @@
         </p:nvCxnSpPr>
         <p:spPr>
           <a:xfrm flipV="1">
-            <a:off x="7995977" y="3818985"/>
+            <a:off x="7927397" y="3556095"/>
             <a:ext cx="1428435" cy="21056"/>
           </a:xfrm>
           <a:prstGeom prst="line">
@@ -16549,7 +16533,7 @@
         </p:nvCxnSpPr>
         <p:spPr>
           <a:xfrm flipH="1">
-            <a:off x="1934005" y="2867016"/>
+            <a:off x="1865425" y="2604126"/>
             <a:ext cx="221717" cy="597990"/>
           </a:xfrm>
           <a:prstGeom prst="line">
@@ -16604,7 +16588,7 @@
         </p:blipFill>
         <p:spPr>
           <a:xfrm>
-            <a:off x="1885722" y="2477964"/>
+            <a:off x="1817142" y="2215074"/>
             <a:ext cx="540000" cy="540000"/>
           </a:xfrm>
           <a:prstGeom prst="rect">
@@ -16629,7 +16613,7 @@
         </p:nvCxnSpPr>
         <p:spPr>
           <a:xfrm flipH="1">
-            <a:off x="7405112" y="2939087"/>
+            <a:off x="7336532" y="2676197"/>
             <a:ext cx="255601" cy="640726"/>
           </a:xfrm>
           <a:prstGeom prst="line">
@@ -16673,8 +16657,8 @@
         </p:nvCxnSpPr>
         <p:spPr>
           <a:xfrm>
-            <a:off x="7357879" y="2939087"/>
-            <a:ext cx="2234165" cy="622538"/>
+            <a:off x="7659007" y="2680463"/>
+            <a:ext cx="1864457" cy="618272"/>
           </a:xfrm>
           <a:prstGeom prst="line">
             <a:avLst/>
@@ -16714,7 +16698,7 @@
         </p:nvSpPr>
         <p:spPr>
           <a:xfrm>
-            <a:off x="10745573" y="4397946"/>
+            <a:off x="10676993" y="4135056"/>
             <a:ext cx="826149" cy="338554"/>
           </a:xfrm>
           <a:prstGeom prst="rect">
@@ -16855,6 +16839,179 @@
                 <a:cs typeface="+mn-cs"/>
               </a:rPr>
               <a:t>Storage</a:t>
+            </a:r>
+            <a:endParaRPr kumimoji="0" lang="nl-BE" sz="1600" b="1" i="0" u="none" strike="noStrike" kern="1200" cap="none" spc="0" normalizeH="0" baseline="0" noProof="0" dirty="0">
+              <a:ln>
+                <a:noFill/>
+              </a:ln>
+              <a:solidFill>
+                <a:srgbClr val="333639"/>
+              </a:solidFill>
+              <a:effectLst/>
+              <a:uLnTx/>
+              <a:uFillTx/>
+              <a:latin typeface="FlandersArtSans-Regular"/>
+              <a:ea typeface="+mn-ea"/>
+              <a:cs typeface="+mn-cs"/>
+            </a:endParaRPr>
+          </a:p>
+        </p:txBody>
+      </p:sp>
+      <p:sp>
+        <p:nvSpPr>
+          <p:cNvPr id="42" name="TextBox 5">
+            <a:extLst>
+              <a:ext uri="{FF2B5EF4-FFF2-40B4-BE49-F238E27FC236}">
+                <a16:creationId xmlns:a16="http://schemas.microsoft.com/office/drawing/2014/main" id="{478C4D3C-E6DB-41A0-A446-245404AB263F}"/>
+              </a:ext>
+            </a:extLst>
+          </p:cNvPr>
+          <p:cNvSpPr txBox="1"/>
+          <p:nvPr/>
+        </p:nvSpPr>
+        <p:spPr>
+          <a:xfrm>
+            <a:off x="8008641" y="2249563"/>
+            <a:ext cx="818575" cy="338554"/>
+          </a:xfrm>
+          <a:prstGeom prst="rect">
+            <a:avLst/>
+          </a:prstGeom>
+          <a:noFill/>
+        </p:spPr>
+        <p:txBody>
+          <a:bodyPr wrap="square" rtlCol="0">
+            <a:spAutoFit/>
+          </a:bodyPr>
+          <a:lstStyle>
+            <a:defPPr>
+              <a:defRPr lang="en-US"/>
+            </a:defPPr>
+            <a:lvl1pPr marL="0" algn="l" defTabSz="914400" rtl="0" eaLnBrk="1" latinLnBrk="0" hangingPunct="1">
+              <a:defRPr sz="1800" kern="1200">
+                <a:solidFill>
+                  <a:schemeClr val="tx1"/>
+                </a:solidFill>
+                <a:latin typeface="+mn-lt"/>
+                <a:ea typeface="+mn-ea"/>
+                <a:cs typeface="+mn-cs"/>
+              </a:defRPr>
+            </a:lvl1pPr>
+            <a:lvl2pPr marL="457200" algn="l" defTabSz="914400" rtl="0" eaLnBrk="1" latinLnBrk="0" hangingPunct="1">
+              <a:defRPr sz="1800" kern="1200">
+                <a:solidFill>
+                  <a:schemeClr val="tx1"/>
+                </a:solidFill>
+                <a:latin typeface="+mn-lt"/>
+                <a:ea typeface="+mn-ea"/>
+                <a:cs typeface="+mn-cs"/>
+              </a:defRPr>
+            </a:lvl2pPr>
+            <a:lvl3pPr marL="914400" algn="l" defTabSz="914400" rtl="0" eaLnBrk="1" latinLnBrk="0" hangingPunct="1">
+              <a:defRPr sz="1800" kern="1200">
+                <a:solidFill>
+                  <a:schemeClr val="tx1"/>
+                </a:solidFill>
+                <a:latin typeface="+mn-lt"/>
+                <a:ea typeface="+mn-ea"/>
+                <a:cs typeface="+mn-cs"/>
+              </a:defRPr>
+            </a:lvl3pPr>
+            <a:lvl4pPr marL="1371600" algn="l" defTabSz="914400" rtl="0" eaLnBrk="1" latinLnBrk="0" hangingPunct="1">
+              <a:defRPr sz="1800" kern="1200">
+                <a:solidFill>
+                  <a:schemeClr val="tx1"/>
+                </a:solidFill>
+                <a:latin typeface="+mn-lt"/>
+                <a:ea typeface="+mn-ea"/>
+                <a:cs typeface="+mn-cs"/>
+              </a:defRPr>
+            </a:lvl4pPr>
+            <a:lvl5pPr marL="1828800" algn="l" defTabSz="914400" rtl="0" eaLnBrk="1" latinLnBrk="0" hangingPunct="1">
+              <a:defRPr sz="1800" kern="1200">
+                <a:solidFill>
+                  <a:schemeClr val="tx1"/>
+                </a:solidFill>
+                <a:latin typeface="+mn-lt"/>
+                <a:ea typeface="+mn-ea"/>
+                <a:cs typeface="+mn-cs"/>
+              </a:defRPr>
+            </a:lvl5pPr>
+            <a:lvl6pPr marL="2286000" algn="l" defTabSz="914400" rtl="0" eaLnBrk="1" latinLnBrk="0" hangingPunct="1">
+              <a:defRPr sz="1800" kern="1200">
+                <a:solidFill>
+                  <a:schemeClr val="tx1"/>
+                </a:solidFill>
+                <a:latin typeface="+mn-lt"/>
+                <a:ea typeface="+mn-ea"/>
+                <a:cs typeface="+mn-cs"/>
+              </a:defRPr>
+            </a:lvl6pPr>
+            <a:lvl7pPr marL="2743200" algn="l" defTabSz="914400" rtl="0" eaLnBrk="1" latinLnBrk="0" hangingPunct="1">
+              <a:defRPr sz="1800" kern="1200">
+                <a:solidFill>
+                  <a:schemeClr val="tx1"/>
+                </a:solidFill>
+                <a:latin typeface="+mn-lt"/>
+                <a:ea typeface="+mn-ea"/>
+                <a:cs typeface="+mn-cs"/>
+              </a:defRPr>
+            </a:lvl7pPr>
+            <a:lvl8pPr marL="3200400" algn="l" defTabSz="914400" rtl="0" eaLnBrk="1" latinLnBrk="0" hangingPunct="1">
+              <a:defRPr sz="1800" kern="1200">
+                <a:solidFill>
+                  <a:schemeClr val="tx1"/>
+                </a:solidFill>
+                <a:latin typeface="+mn-lt"/>
+                <a:ea typeface="+mn-ea"/>
+                <a:cs typeface="+mn-cs"/>
+              </a:defRPr>
+            </a:lvl8pPr>
+            <a:lvl9pPr marL="3657600" algn="l" defTabSz="914400" rtl="0" eaLnBrk="1" latinLnBrk="0" hangingPunct="1">
+              <a:defRPr sz="1800" kern="1200">
+                <a:solidFill>
+                  <a:schemeClr val="tx1"/>
+                </a:solidFill>
+                <a:latin typeface="+mn-lt"/>
+                <a:ea typeface="+mn-ea"/>
+                <a:cs typeface="+mn-cs"/>
+              </a:defRPr>
+            </a:lvl9pPr>
+          </a:lstStyle>
+          <a:p>
+            <a:pPr marL="0" marR="0" lvl="0" indent="0" algn="l" defTabSz="914400" rtl="0" eaLnBrk="1" fontAlgn="auto" latinLnBrk="0" hangingPunct="1">
+              <a:lnSpc>
+                <a:spcPct val="100000"/>
+              </a:lnSpc>
+              <a:spcBef>
+                <a:spcPts val="0"/>
+              </a:spcBef>
+              <a:spcAft>
+                <a:spcPts val="0"/>
+              </a:spcAft>
+              <a:buClrTx/>
+              <a:buSzTx/>
+              <a:buFontTx/>
+              <a:buNone/>
+              <a:tabLst/>
+              <a:defRPr/>
+            </a:pPr>
+            <a:r>
+              <a:rPr kumimoji="0" lang="en-US" sz="1600" b="1" i="0" u="none" strike="noStrike" kern="1200" cap="none" spc="0" normalizeH="0" baseline="0" noProof="0" dirty="0">
+                <a:ln>
+                  <a:noFill/>
+                </a:ln>
+                <a:solidFill>
+                  <a:srgbClr val="333639"/>
+                </a:solidFill>
+                <a:effectLst/>
+                <a:uLnTx/>
+                <a:uFillTx/>
+                <a:latin typeface="FlandersArtSans-Regular"/>
+                <a:ea typeface="+mn-ea"/>
+                <a:cs typeface="+mn-cs"/>
+              </a:rPr>
+              <a:t>Clients</a:t>
             </a:r>
             <a:endParaRPr kumimoji="0" lang="nl-BE" sz="1600" b="1" i="0" u="none" strike="noStrike" kern="1200" cap="none" spc="0" normalizeH="0" baseline="0" noProof="0" dirty="0">
               <a:ln>
